--- a/PPT_CaseStudyLendingClub_HARINATHAR_HARIKOLAVASI.pptx
+++ b/PPT_CaseStudyLendingClub_HARINATHAR_HARIKOLAVASI.pptx
@@ -145,6 +145,199 @@
 
 <file path=ppt/changesInfos/changesInfo1.xml><?xml version="1.0" encoding="utf-8"?>
 <pc:chgInfo xmlns:a="http://schemas.openxmlformats.org/drawingml/2006/main" xmlns:r="http://schemas.openxmlformats.org/officeDocument/2006/relationships" xmlns:ac="http://schemas.microsoft.com/office/drawing/2013/main/command" xmlns:pc="http://schemas.microsoft.com/office/powerpoint/2013/main/command">
+  <pc:docChgLst>
+    <pc:chgData name="Kavya Hari" userId="ae370a94ca932d50" providerId="LiveId" clId="{9A2E2F94-14E1-4632-8A69-3DB7F937914D}"/>
+    <pc:docChg chg="custSel modSld">
+      <pc:chgData name="Kavya Hari" userId="ae370a94ca932d50" providerId="LiveId" clId="{9A2E2F94-14E1-4632-8A69-3DB7F937914D}" dt="2024-08-20T15:06:15.168" v="51" actId="14100"/>
+      <pc:docMkLst>
+        <pc:docMk/>
+      </pc:docMkLst>
+      <pc:sldChg chg="addSp delSp modSp mod">
+        <pc:chgData name="Kavya Hari" userId="ae370a94ca932d50" providerId="LiveId" clId="{9A2E2F94-14E1-4632-8A69-3DB7F937914D}" dt="2024-08-20T14:56:18.453" v="5" actId="14100"/>
+        <pc:sldMkLst>
+          <pc:docMk/>
+          <pc:sldMk cId="1844242805" sldId="270"/>
+        </pc:sldMkLst>
+        <pc:picChg chg="add mod">
+          <ac:chgData name="Kavya Hari" userId="ae370a94ca932d50" providerId="LiveId" clId="{9A2E2F94-14E1-4632-8A69-3DB7F937914D}" dt="2024-08-20T14:56:18.453" v="5" actId="14100"/>
+          <ac:picMkLst>
+            <pc:docMk/>
+            <pc:sldMk cId="1844242805" sldId="270"/>
+            <ac:picMk id="4" creationId="{4598B47B-5255-5C74-6645-315CA5EF2456}"/>
+          </ac:picMkLst>
+        </pc:picChg>
+        <pc:picChg chg="del">
+          <ac:chgData name="Kavya Hari" userId="ae370a94ca932d50" providerId="LiveId" clId="{9A2E2F94-14E1-4632-8A69-3DB7F937914D}" dt="2024-08-20T14:55:41.507" v="0" actId="478"/>
+          <ac:picMkLst>
+            <pc:docMk/>
+            <pc:sldMk cId="1844242805" sldId="270"/>
+            <ac:picMk id="7" creationId="{56A8E353-F4CF-4069-00AF-4D96DF5940B4}"/>
+          </ac:picMkLst>
+        </pc:picChg>
+      </pc:sldChg>
+      <pc:sldChg chg="addSp delSp modSp mod">
+        <pc:chgData name="Kavya Hari" userId="ae370a94ca932d50" providerId="LiveId" clId="{9A2E2F94-14E1-4632-8A69-3DB7F937914D}" dt="2024-08-20T14:57:40.505" v="11" actId="14100"/>
+        <pc:sldMkLst>
+          <pc:docMk/>
+          <pc:sldMk cId="103558146" sldId="271"/>
+        </pc:sldMkLst>
+        <pc:picChg chg="add mod">
+          <ac:chgData name="Kavya Hari" userId="ae370a94ca932d50" providerId="LiveId" clId="{9A2E2F94-14E1-4632-8A69-3DB7F937914D}" dt="2024-08-20T14:57:40.505" v="11" actId="14100"/>
+          <ac:picMkLst>
+            <pc:docMk/>
+            <pc:sldMk cId="103558146" sldId="271"/>
+            <ac:picMk id="4" creationId="{34D4DB0B-321A-559C-5DDF-82B29E4E7C33}"/>
+          </ac:picMkLst>
+        </pc:picChg>
+        <pc:picChg chg="del">
+          <ac:chgData name="Kavya Hari" userId="ae370a94ca932d50" providerId="LiveId" clId="{9A2E2F94-14E1-4632-8A69-3DB7F937914D}" dt="2024-08-20T14:56:53.550" v="6" actId="478"/>
+          <ac:picMkLst>
+            <pc:docMk/>
+            <pc:sldMk cId="103558146" sldId="271"/>
+            <ac:picMk id="6" creationId="{D57D9427-CDFF-0A5B-92F6-F6155E5F5FA5}"/>
+          </ac:picMkLst>
+        </pc:picChg>
+      </pc:sldChg>
+      <pc:sldChg chg="addSp delSp modSp mod">
+        <pc:chgData name="Kavya Hari" userId="ae370a94ca932d50" providerId="LiveId" clId="{9A2E2F94-14E1-4632-8A69-3DB7F937914D}" dt="2024-08-20T14:58:53.747" v="18" actId="14100"/>
+        <pc:sldMkLst>
+          <pc:docMk/>
+          <pc:sldMk cId="2962778014" sldId="272"/>
+        </pc:sldMkLst>
+        <pc:picChg chg="add mod">
+          <ac:chgData name="Kavya Hari" userId="ae370a94ca932d50" providerId="LiveId" clId="{9A2E2F94-14E1-4632-8A69-3DB7F937914D}" dt="2024-08-20T14:58:53.747" v="18" actId="14100"/>
+          <ac:picMkLst>
+            <pc:docMk/>
+            <pc:sldMk cId="2962778014" sldId="272"/>
+            <ac:picMk id="4" creationId="{2CA062D6-F444-3C91-BD33-C282F41E0914}"/>
+          </ac:picMkLst>
+        </pc:picChg>
+        <pc:picChg chg="del">
+          <ac:chgData name="Kavya Hari" userId="ae370a94ca932d50" providerId="LiveId" clId="{9A2E2F94-14E1-4632-8A69-3DB7F937914D}" dt="2024-08-20T14:57:48.814" v="12" actId="478"/>
+          <ac:picMkLst>
+            <pc:docMk/>
+            <pc:sldMk cId="2962778014" sldId="272"/>
+            <ac:picMk id="7" creationId="{CE77A357-F2E6-2B85-A084-AC6B8025FDC3}"/>
+          </ac:picMkLst>
+        </pc:picChg>
+      </pc:sldChg>
+      <pc:sldChg chg="addSp delSp modSp mod">
+        <pc:chgData name="Kavya Hari" userId="ae370a94ca932d50" providerId="LiveId" clId="{9A2E2F94-14E1-4632-8A69-3DB7F937914D}" dt="2024-08-20T15:00:32.964" v="24" actId="14100"/>
+        <pc:sldMkLst>
+          <pc:docMk/>
+          <pc:sldMk cId="656776156" sldId="273"/>
+        </pc:sldMkLst>
+        <pc:picChg chg="add mod">
+          <ac:chgData name="Kavya Hari" userId="ae370a94ca932d50" providerId="LiveId" clId="{9A2E2F94-14E1-4632-8A69-3DB7F937914D}" dt="2024-08-20T15:00:32.964" v="24" actId="14100"/>
+          <ac:picMkLst>
+            <pc:docMk/>
+            <pc:sldMk cId="656776156" sldId="273"/>
+            <ac:picMk id="4" creationId="{C5B5331B-FCF9-6008-E9D3-E85F32B93D93}"/>
+          </ac:picMkLst>
+        </pc:picChg>
+        <pc:picChg chg="del">
+          <ac:chgData name="Kavya Hari" userId="ae370a94ca932d50" providerId="LiveId" clId="{9A2E2F94-14E1-4632-8A69-3DB7F937914D}" dt="2024-08-20T14:59:53.771" v="19" actId="478"/>
+          <ac:picMkLst>
+            <pc:docMk/>
+            <pc:sldMk cId="656776156" sldId="273"/>
+            <ac:picMk id="6" creationId="{218B49B3-30B6-2AA1-115A-0F6E096EF4FD}"/>
+          </ac:picMkLst>
+        </pc:picChg>
+      </pc:sldChg>
+      <pc:sldChg chg="addSp delSp modSp mod">
+        <pc:chgData name="Kavya Hari" userId="ae370a94ca932d50" providerId="LiveId" clId="{9A2E2F94-14E1-4632-8A69-3DB7F937914D}" dt="2024-08-20T15:01:44.151" v="30" actId="14100"/>
+        <pc:sldMkLst>
+          <pc:docMk/>
+          <pc:sldMk cId="1373670955" sldId="274"/>
+        </pc:sldMkLst>
+        <pc:picChg chg="del">
+          <ac:chgData name="Kavya Hari" userId="ae370a94ca932d50" providerId="LiveId" clId="{9A2E2F94-14E1-4632-8A69-3DB7F937914D}" dt="2024-08-20T15:00:45.876" v="25" actId="478"/>
+          <ac:picMkLst>
+            <pc:docMk/>
+            <pc:sldMk cId="1373670955" sldId="274"/>
+            <ac:picMk id="4" creationId="{EB4BD5F0-46CC-D144-A3A4-090C5B8E74E0}"/>
+          </ac:picMkLst>
+        </pc:picChg>
+        <pc:picChg chg="add mod">
+          <ac:chgData name="Kavya Hari" userId="ae370a94ca932d50" providerId="LiveId" clId="{9A2E2F94-14E1-4632-8A69-3DB7F937914D}" dt="2024-08-20T15:01:44.151" v="30" actId="14100"/>
+          <ac:picMkLst>
+            <pc:docMk/>
+            <pc:sldMk cId="1373670955" sldId="274"/>
+            <ac:picMk id="6" creationId="{10F3D26F-6EEC-1A49-046F-1399EAE8672D}"/>
+          </ac:picMkLst>
+        </pc:picChg>
+      </pc:sldChg>
+      <pc:sldChg chg="addSp delSp modSp mod">
+        <pc:chgData name="Kavya Hari" userId="ae370a94ca932d50" providerId="LiveId" clId="{9A2E2F94-14E1-4632-8A69-3DB7F937914D}" dt="2024-08-20T15:02:41.760" v="37" actId="14100"/>
+        <pc:sldMkLst>
+          <pc:docMk/>
+          <pc:sldMk cId="666225063" sldId="275"/>
+        </pc:sldMkLst>
+        <pc:picChg chg="add mod">
+          <ac:chgData name="Kavya Hari" userId="ae370a94ca932d50" providerId="LiveId" clId="{9A2E2F94-14E1-4632-8A69-3DB7F937914D}" dt="2024-08-20T15:02:41.760" v="37" actId="14100"/>
+          <ac:picMkLst>
+            <pc:docMk/>
+            <pc:sldMk cId="666225063" sldId="275"/>
+            <ac:picMk id="4" creationId="{4429EC93-0E75-4633-2E32-4C5A5168E558}"/>
+          </ac:picMkLst>
+        </pc:picChg>
+        <pc:picChg chg="del">
+          <ac:chgData name="Kavya Hari" userId="ae370a94ca932d50" providerId="LiveId" clId="{9A2E2F94-14E1-4632-8A69-3DB7F937914D}" dt="2024-08-20T15:01:55.576" v="31" actId="478"/>
+          <ac:picMkLst>
+            <pc:docMk/>
+            <pc:sldMk cId="666225063" sldId="275"/>
+            <ac:picMk id="7" creationId="{81ADB2EE-3D6F-3A74-E79B-0D41AF316DE2}"/>
+          </ac:picMkLst>
+        </pc:picChg>
+      </pc:sldChg>
+      <pc:sldChg chg="addSp delSp modSp mod">
+        <pc:chgData name="Kavya Hari" userId="ae370a94ca932d50" providerId="LiveId" clId="{9A2E2F94-14E1-4632-8A69-3DB7F937914D}" dt="2024-08-20T15:03:49.280" v="44" actId="14100"/>
+        <pc:sldMkLst>
+          <pc:docMk/>
+          <pc:sldMk cId="275887810" sldId="276"/>
+        </pc:sldMkLst>
+        <pc:picChg chg="add mod">
+          <ac:chgData name="Kavya Hari" userId="ae370a94ca932d50" providerId="LiveId" clId="{9A2E2F94-14E1-4632-8A69-3DB7F937914D}" dt="2024-08-20T15:03:49.280" v="44" actId="14100"/>
+          <ac:picMkLst>
+            <pc:docMk/>
+            <pc:sldMk cId="275887810" sldId="276"/>
+            <ac:picMk id="4" creationId="{7F1B868E-1B0A-038B-604D-1A2469A41DBE}"/>
+          </ac:picMkLst>
+        </pc:picChg>
+        <pc:picChg chg="del">
+          <ac:chgData name="Kavya Hari" userId="ae370a94ca932d50" providerId="LiveId" clId="{9A2E2F94-14E1-4632-8A69-3DB7F937914D}" dt="2024-08-20T15:02:57.375" v="38" actId="478"/>
+          <ac:picMkLst>
+            <pc:docMk/>
+            <pc:sldMk cId="275887810" sldId="276"/>
+            <ac:picMk id="6" creationId="{BEBD70AD-6D56-D139-57D6-118A359095E3}"/>
+          </ac:picMkLst>
+        </pc:picChg>
+      </pc:sldChg>
+      <pc:sldChg chg="addSp delSp modSp mod">
+        <pc:chgData name="Kavya Hari" userId="ae370a94ca932d50" providerId="LiveId" clId="{9A2E2F94-14E1-4632-8A69-3DB7F937914D}" dt="2024-08-20T15:06:15.168" v="51" actId="14100"/>
+        <pc:sldMkLst>
+          <pc:docMk/>
+          <pc:sldMk cId="2038893199" sldId="277"/>
+        </pc:sldMkLst>
+        <pc:picChg chg="add mod">
+          <ac:chgData name="Kavya Hari" userId="ae370a94ca932d50" providerId="LiveId" clId="{9A2E2F94-14E1-4632-8A69-3DB7F937914D}" dt="2024-08-20T15:06:15.168" v="51" actId="14100"/>
+          <ac:picMkLst>
+            <pc:docMk/>
+            <pc:sldMk cId="2038893199" sldId="277"/>
+            <ac:picMk id="4" creationId="{E709A08C-63CF-9185-5EDD-9C2604F58B9F}"/>
+          </ac:picMkLst>
+        </pc:picChg>
+        <pc:picChg chg="del">
+          <ac:chgData name="Kavya Hari" userId="ae370a94ca932d50" providerId="LiveId" clId="{9A2E2F94-14E1-4632-8A69-3DB7F937914D}" dt="2024-08-20T15:04:44.590" v="45" actId="478"/>
+          <ac:picMkLst>
+            <pc:docMk/>
+            <pc:sldMk cId="2038893199" sldId="277"/>
+            <ac:picMk id="7" creationId="{9B963DC6-EC99-26E3-FC0B-06553C1BC949}"/>
+          </ac:picMkLst>
+        </pc:picChg>
+      </pc:sldChg>
+    </pc:docChg>
+  </pc:docChgLst>
   <pc:docChgLst>
     <pc:chgData name="Kavya Hari" userId="ae370a94ca932d50" providerId="LiveId" clId="{8E9F3294-18AB-4A7C-B782-91DEE4229376}"/>
     <pc:docChg chg="undo custSel addSld delSld modSld">
@@ -14788,10 +14981,10 @@
       </p:sp>
       <p:pic>
         <p:nvPicPr>
-          <p:cNvPr id="7" name="Picture 6">
+          <p:cNvPr id="4" name="Picture 3">
             <a:extLst>
               <a:ext uri="{FF2B5EF4-FFF2-40B4-BE49-F238E27FC236}">
-                <a16:creationId xmlns:a16="http://schemas.microsoft.com/office/drawing/2014/main" id="{56A8E353-F4CF-4069-00AF-4D96DF5940B4}"/>
+                <a16:creationId xmlns:a16="http://schemas.microsoft.com/office/drawing/2014/main" id="{4598B47B-5255-5C74-6645-315CA5EF2456}"/>
               </a:ext>
             </a:extLst>
           </p:cNvPr>
@@ -14808,8 +15001,8 @@
         </p:blipFill>
         <p:spPr>
           <a:xfrm>
-            <a:off x="1268360" y="1936954"/>
-            <a:ext cx="9261987" cy="3598607"/>
+            <a:off x="1097280" y="1785622"/>
+            <a:ext cx="10219649" cy="3907255"/>
           </a:xfrm>
           <a:prstGeom prst="rect">
             <a:avLst/>
@@ -15185,10 +15378,10 @@
       </p:sp>
       <p:pic>
         <p:nvPicPr>
-          <p:cNvPr id="6" name="Picture 5">
+          <p:cNvPr id="4" name="Picture 3">
             <a:extLst>
               <a:ext uri="{FF2B5EF4-FFF2-40B4-BE49-F238E27FC236}">
-                <a16:creationId xmlns:a16="http://schemas.microsoft.com/office/drawing/2014/main" id="{D57D9427-CDFF-0A5B-92F6-F6155E5F5FA5}"/>
+                <a16:creationId xmlns:a16="http://schemas.microsoft.com/office/drawing/2014/main" id="{34D4DB0B-321A-559C-5DDF-82B29E4E7C33}"/>
               </a:ext>
             </a:extLst>
           </p:cNvPr>
@@ -15205,8 +15398,8 @@
         </p:blipFill>
         <p:spPr>
           <a:xfrm>
-            <a:off x="784459" y="1901863"/>
-            <a:ext cx="9893373" cy="3643531"/>
+            <a:off x="894735" y="1823726"/>
+            <a:ext cx="10260945" cy="3869151"/>
           </a:xfrm>
           <a:prstGeom prst="rect">
             <a:avLst/>
@@ -15582,10 +15775,10 @@
       </p:sp>
       <p:pic>
         <p:nvPicPr>
-          <p:cNvPr id="7" name="Picture 6">
+          <p:cNvPr id="4" name="Picture 3">
             <a:extLst>
               <a:ext uri="{FF2B5EF4-FFF2-40B4-BE49-F238E27FC236}">
-                <a16:creationId xmlns:a16="http://schemas.microsoft.com/office/drawing/2014/main" id="{CE77A357-F2E6-2B85-A084-AC6B8025FDC3}"/>
+                <a16:creationId xmlns:a16="http://schemas.microsoft.com/office/drawing/2014/main" id="{2CA062D6-F444-3C91-BD33-C282F41E0914}"/>
               </a:ext>
             </a:extLst>
           </p:cNvPr>
@@ -15602,8 +15795,8 @@
         </p:blipFill>
         <p:spPr>
           <a:xfrm>
-            <a:off x="1097280" y="1771856"/>
-            <a:ext cx="9659210" cy="3753874"/>
+            <a:off x="1179872" y="1785622"/>
+            <a:ext cx="9871586" cy="3907255"/>
           </a:xfrm>
           <a:prstGeom prst="rect">
             <a:avLst/>
@@ -15979,10 +16172,10 @@
       </p:sp>
       <p:pic>
         <p:nvPicPr>
-          <p:cNvPr id="6" name="Picture 5">
+          <p:cNvPr id="4" name="Picture 3">
             <a:extLst>
               <a:ext uri="{FF2B5EF4-FFF2-40B4-BE49-F238E27FC236}">
-                <a16:creationId xmlns:a16="http://schemas.microsoft.com/office/drawing/2014/main" id="{218B49B3-30B6-2AA1-115A-0F6E096EF4FD}"/>
+                <a16:creationId xmlns:a16="http://schemas.microsoft.com/office/drawing/2014/main" id="{C5B5331B-FCF9-6008-E9D3-E85F32B93D93}"/>
               </a:ext>
             </a:extLst>
           </p:cNvPr>
@@ -15999,8 +16192,8 @@
         </p:blipFill>
         <p:spPr>
           <a:xfrm>
-            <a:off x="784459" y="1823726"/>
-            <a:ext cx="10441806" cy="3869151"/>
+            <a:off x="965735" y="1861829"/>
+            <a:ext cx="10441806" cy="3831048"/>
           </a:xfrm>
           <a:prstGeom prst="rect">
             <a:avLst/>
@@ -16376,10 +16569,10 @@
       </p:sp>
       <p:pic>
         <p:nvPicPr>
-          <p:cNvPr id="4" name="Picture 3">
+          <p:cNvPr id="6" name="Picture 5">
             <a:extLst>
               <a:ext uri="{FF2B5EF4-FFF2-40B4-BE49-F238E27FC236}">
-                <a16:creationId xmlns:a16="http://schemas.microsoft.com/office/drawing/2014/main" id="{EB4BD5F0-46CC-D144-A3A4-090C5B8E74E0}"/>
+                <a16:creationId xmlns:a16="http://schemas.microsoft.com/office/drawing/2014/main" id="{10F3D26F-6EEC-1A49-046F-1399EAE8672D}"/>
               </a:ext>
             </a:extLst>
           </p:cNvPr>
@@ -16396,8 +16589,8 @@
         </p:blipFill>
         <p:spPr>
           <a:xfrm>
-            <a:off x="1179871" y="1846588"/>
-            <a:ext cx="9842090" cy="3757799"/>
+            <a:off x="1425677" y="1823726"/>
+            <a:ext cx="9730003" cy="3869151"/>
           </a:xfrm>
           <a:prstGeom prst="rect">
             <a:avLst/>
@@ -16773,10 +16966,10 @@
       </p:sp>
       <p:pic>
         <p:nvPicPr>
-          <p:cNvPr id="7" name="Picture 6">
+          <p:cNvPr id="4" name="Picture 3">
             <a:extLst>
               <a:ext uri="{FF2B5EF4-FFF2-40B4-BE49-F238E27FC236}">
-                <a16:creationId xmlns:a16="http://schemas.microsoft.com/office/drawing/2014/main" id="{81ADB2EE-3D6F-3A74-E79B-0D41AF316DE2}"/>
+                <a16:creationId xmlns:a16="http://schemas.microsoft.com/office/drawing/2014/main" id="{4429EC93-0E75-4633-2E32-4C5A5168E558}"/>
               </a:ext>
             </a:extLst>
           </p:cNvPr>
@@ -16793,8 +16986,8 @@
         </p:blipFill>
         <p:spPr>
           <a:xfrm>
-            <a:off x="943897" y="1831346"/>
-            <a:ext cx="10211783" cy="3782873"/>
+            <a:off x="965735" y="1785622"/>
+            <a:ext cx="10260529" cy="3907255"/>
           </a:xfrm>
           <a:prstGeom prst="rect">
             <a:avLst/>
@@ -17178,10 +17371,10 @@
       </p:sp>
       <p:pic>
         <p:nvPicPr>
-          <p:cNvPr id="6" name="Picture 5">
+          <p:cNvPr id="4" name="Picture 3">
             <a:extLst>
               <a:ext uri="{FF2B5EF4-FFF2-40B4-BE49-F238E27FC236}">
-                <a16:creationId xmlns:a16="http://schemas.microsoft.com/office/drawing/2014/main" id="{BEBD70AD-6D56-D139-57D6-118A359095E3}"/>
+                <a16:creationId xmlns:a16="http://schemas.microsoft.com/office/drawing/2014/main" id="{7F1B868E-1B0A-038B-604D-1A2469A41DBE}"/>
               </a:ext>
             </a:extLst>
           </p:cNvPr>
@@ -17198,8 +17391,8 @@
         </p:blipFill>
         <p:spPr>
           <a:xfrm>
-            <a:off x="1179871" y="1846588"/>
-            <a:ext cx="10227669" cy="3846289"/>
+            <a:off x="2525720" y="1884844"/>
+            <a:ext cx="7140559" cy="3589199"/>
           </a:xfrm>
           <a:prstGeom prst="rect">
             <a:avLst/>
@@ -17575,10 +17768,10 @@
       </p:sp>
       <p:pic>
         <p:nvPicPr>
-          <p:cNvPr id="7" name="Picture 6">
+          <p:cNvPr id="4" name="Picture 3">
             <a:extLst>
               <a:ext uri="{FF2B5EF4-FFF2-40B4-BE49-F238E27FC236}">
-                <a16:creationId xmlns:a16="http://schemas.microsoft.com/office/drawing/2014/main" id="{9B963DC6-EC99-26E3-FC0B-06553C1BC949}"/>
+                <a16:creationId xmlns:a16="http://schemas.microsoft.com/office/drawing/2014/main" id="{E709A08C-63CF-9185-5EDD-9C2604F58B9F}"/>
               </a:ext>
             </a:extLst>
           </p:cNvPr>
@@ -17595,8 +17788,8 @@
         </p:blipFill>
         <p:spPr>
           <a:xfrm>
-            <a:off x="855406" y="1825656"/>
-            <a:ext cx="10300274" cy="3473931"/>
+            <a:off x="1097280" y="1823085"/>
+            <a:ext cx="10128985" cy="3574825"/>
           </a:xfrm>
           <a:prstGeom prst="rect">
             <a:avLst/>
